--- a/U3/Notes/Lesson 6 - Naming and Commenting.pptx
+++ b/U3/Notes/Lesson 6 - Naming and Commenting.pptx
@@ -275,7 +275,7 @@
       </p15:sldGuideLst>
     </p:ext>
     <p:ext uri="http://customooxmlschemas.google.com/">
-      <go:slidesCustomData xmlns:go="http://customooxmlschemas.google.com/" xmlns:ahyp="http://schemas.microsoft.com/office/drawing/2018/hyperlinkcolor" xmlns:p15="http://schemas.microsoft.com/office/powerpoint/2012/main" xmlns:p14="http://schemas.microsoft.com/office/powerpoint/2010/main" xmlns:com="http://schemas.openxmlformats.org/drawingml/2006/compatibility" xmlns:pvml="urn:schemas-microsoft-com:office:powerpoint" xmlns:v="urn:schemas-microsoft-com:vml" xmlns:o="urn:schemas-microsoft-com:office:office" xmlns:dgm="http://schemas.openxmlformats.org/drawingml/2006/diagram" xmlns:c="http://schemas.openxmlformats.org/drawingml/2006/chart" xmlns:mv="urn:schemas-microsoft-com:mac:vml" xmlns:mc="http://schemas.openxmlformats.org/markup-compatibility/2006" xmlns="" r:id="rId19" roundtripDataSignature="AMtx7miMdtym574K/TUJ9SL05s0T5sW5JA=="/>
+      <go:slidesCustomData xmlns="" xmlns:mc="http://schemas.openxmlformats.org/markup-compatibility/2006" xmlns:mv="urn:schemas-microsoft-com:mac:vml" xmlns:c="http://schemas.openxmlformats.org/drawingml/2006/chart" xmlns:dgm="http://schemas.openxmlformats.org/drawingml/2006/diagram" xmlns:o="urn:schemas-microsoft-com:office:office" xmlns:v="urn:schemas-microsoft-com:vml" xmlns:pvml="urn:schemas-microsoft-com:office:powerpoint" xmlns:com="http://schemas.openxmlformats.org/drawingml/2006/compatibility" xmlns:p14="http://schemas.microsoft.com/office/powerpoint/2010/main" xmlns:p15="http://schemas.microsoft.com/office/powerpoint/2012/main" xmlns:ahyp="http://schemas.microsoft.com/office/drawing/2018/hyperlinkcolor" xmlns:go="http://customooxmlschemas.google.com/" r:id="rId19" roundtripDataSignature="AMtx7miMdtym574K/TUJ9SL05s0T5sW5JA=="/>
     </p:ext>
   </p:extLst>
 </p:presentation>
